--- a/iotschema-slides-20190321.pptx
+++ b/iotschema-slides-20190321.pptx
@@ -3336,11 +3336,7 @@
           <a:p>
             <a:r>
               <a:rPr lang="en-US" dirty="0" smtClean="0"/>
-              <a:t>March </a:t>
-            </a:r>
-            <a:r>
-              <a:rPr lang="en-US" dirty="0" smtClean="0"/>
-              <a:t>21, 2019</a:t>
+              <a:t>March 21, 2019</a:t>
             </a:r>
             <a:endParaRPr lang="en-US" dirty="0"/>
           </a:p>
@@ -6282,21 +6278,8 @@
           <a:p>
             <a:r>
               <a:rPr lang="en-US" dirty="0" smtClean="0"/>
-              <a:t>Develop the </a:t>
-            </a:r>
-            <a:r>
-              <a:rPr lang="en-US" dirty="0" smtClean="0"/>
-              <a:t>references and browser </a:t>
-            </a:r>
-            <a:r>
-              <a:rPr lang="en-US" dirty="0" smtClean="0"/>
-              <a:t>navigation hooks </a:t>
-            </a:r>
-            <a:r>
-              <a:rPr lang="en-US" dirty="0" smtClean="0"/>
-              <a:t>to definitions in external namespaces </a:t>
-            </a:r>
-            <a:endParaRPr lang="en-US" dirty="0" smtClean="0"/>
+              <a:t>Develop the references and browser navigation hooks to definitions in external namespaces </a:t>
+            </a:r>
           </a:p>
         </p:txBody>
       </p:sp>
@@ -6388,7 +6371,6 @@
               <a:rPr lang="en-US" dirty="0" smtClean="0"/>
               <a:t> integration proposal</a:t>
             </a:r>
-            <a:endParaRPr lang="en-US" dirty="0" smtClean="0"/>
           </a:p>
           <a:p>
             <a:r>
@@ -6411,7 +6393,6 @@
               <a:rPr lang="en-US" dirty="0" smtClean="0"/>
               <a:t> Data Types</a:t>
             </a:r>
-            <a:endParaRPr lang="en-US" dirty="0" smtClean="0"/>
           </a:p>
         </p:txBody>
       </p:sp>
@@ -6656,11 +6637,7 @@
           <a:p>
             <a:r>
               <a:rPr lang="en-US" dirty="0" smtClean="0"/>
-              <a:t>Add Shapes Constraints to the </a:t>
-            </a:r>
-            <a:r>
-              <a:rPr lang="en-US" dirty="0" smtClean="0"/>
-              <a:t>definitions </a:t>
+              <a:t>Add Shapes Constraints to the definitions </a:t>
             </a:r>
             <a:endParaRPr lang="en-US" dirty="0"/>
           </a:p>
@@ -6673,11 +6650,7 @@
           <a:p>
             <a:r>
               <a:rPr lang="en-US" dirty="0" smtClean="0"/>
-              <a:t>Determine </a:t>
-            </a:r>
-            <a:r>
-              <a:rPr lang="en-US" dirty="0" smtClean="0"/>
-              <a:t>namespace references from </a:t>
+              <a:t>Determine namespace references from </a:t>
             </a:r>
             <a:r>
               <a:rPr lang="en-US" dirty="0" err="1" smtClean="0"/>
@@ -6907,27 +6880,14 @@
           <a:p>
             <a:r>
               <a:rPr lang="en-US" dirty="0" smtClean="0"/>
-              <a:t>Community </a:t>
-            </a:r>
+              <a:t>Community Group is still not active</a:t>
+            </a:r>
+          </a:p>
+          <a:p>
+            <a:pPr lvl="1"/>
             <a:r>
               <a:rPr lang="en-US" dirty="0" smtClean="0"/>
-              <a:t>Group is still not active</a:t>
-            </a:r>
-            <a:endParaRPr lang="en-US" dirty="0" smtClean="0"/>
-          </a:p>
-          <a:p>
-            <a:pPr lvl="1"/>
-            <a:r>
-              <a:rPr lang="en-US" dirty="0" smtClean="0"/>
-              <a:t>Need </a:t>
-            </a:r>
-            <a:r>
-              <a:rPr lang="en-US" dirty="0" smtClean="0"/>
-              <a:t>to elect chairs and create the mail </a:t>
-            </a:r>
-            <a:r>
-              <a:rPr lang="en-US" dirty="0" smtClean="0"/>
-              <a:t>list</a:t>
+              <a:t>Need to elect chairs and create the mail list</a:t>
             </a:r>
           </a:p>
           <a:p>
@@ -7013,11 +6973,7 @@
           <a:p>
             <a:r>
               <a:rPr lang="en-US" dirty="0" smtClean="0"/>
-              <a:t>One Data Model </a:t>
-            </a:r>
-            <a:r>
-              <a:rPr lang="en-US" dirty="0" smtClean="0"/>
-              <a:t>Proposal</a:t>
+              <a:t>One Data Model Proposal</a:t>
             </a:r>
             <a:endParaRPr lang="en-US" dirty="0"/>
           </a:p>
@@ -7078,7 +7034,43 @@
             </a:r>
             <a:r>
               <a:rPr lang="en-US" dirty="0" smtClean="0"/>
-              <a:t> TD annotation</a:t>
+              <a:t> TD </a:t>
+            </a:r>
+            <a:r>
+              <a:rPr lang="en-US" dirty="0" smtClean="0"/>
+              <a:t>annotation</a:t>
+            </a:r>
+          </a:p>
+          <a:p>
+            <a:r>
+              <a:rPr lang="en-US" dirty="0">
+                <a:hlinkClick r:id="rId2"/>
+              </a:rPr>
+              <a:t>https://</a:t>
+            </a:r>
+            <a:r>
+              <a:rPr lang="en-US" dirty="0" err="1">
+                <a:hlinkClick r:id="rId2"/>
+              </a:rPr>
+              <a:t>github.com</a:t>
+            </a:r>
+            <a:r>
+              <a:rPr lang="en-US" dirty="0">
+                <a:hlinkClick r:id="rId2"/>
+              </a:rPr>
+              <a:t>/</a:t>
+            </a:r>
+            <a:r>
+              <a:rPr lang="en-US" dirty="0" err="1">
+                <a:hlinkClick r:id="rId2"/>
+              </a:rPr>
+              <a:t>mjkoster</a:t>
+            </a:r>
+            <a:r>
+              <a:rPr lang="en-US" dirty="0">
+                <a:hlinkClick r:id="rId2"/>
+              </a:rPr>
+              <a:t>/ODM-Examples</a:t>
             </a:r>
             <a:endParaRPr lang="en-US" dirty="0" smtClean="0"/>
           </a:p>
